--- a/slides/oque_e_TDD.pptx
+++ b/slides/oque_e_TDD.pptx
@@ -14,9 +14,6 @@
     <p:sldId id="261" r:id="rId9"/>
     <p:sldId id="262" r:id="rId10"/>
     <p:sldId id="263" r:id="rId11"/>
-    <p:sldId id="264" r:id="rId12"/>
-    <p:sldId id="265" r:id="rId13"/>
-    <p:sldId id="266" r:id="rId14"/>
   </p:sldIdLst>
   <p:sldSz cx="10080625" cy="5670550"/>
   <p:notesSz cx="7559675" cy="10691812"/>
@@ -3297,7 +3294,7 @@
           </a:bodyPr>
           <a:p>
             <a:pPr algn="r"/>
-            <a:fld id="{A0D152D2-E026-4AC7-B3DD-1D5572C1AD5F}" type="slidenum">
+            <a:fld id="{ACC73D89-86DA-4C20-9515-9BF1F93E75BF}" type="slidenum">
               <a:rPr b="0" lang="pt-BR" sz="1400" spc="-1" strike="noStrike">
                 <a:latin typeface="Noto Sans"/>
               </a:rPr>
@@ -3309,11 +3306,11 @@
               </a:rPr>
               <a:t> / </a:t>
             </a:r>
-            <a:fld id="{D06F2844-EF32-416F-A592-F422FD3A4E78}" type="slidecount">
+            <a:fld id="{BC8F3905-E26A-43D9-BA97-7A2ED9459E52}" type="slidecount">
               <a:rPr b="0" lang="pt-BR" sz="1400" spc="-1" strike="noStrike">
                 <a:latin typeface="Noto Sans"/>
               </a:rPr>
-              <a:t>&lt;count&gt;</a:t>
+              <a:t>8</a:t>
             </a:fld>
             <a:endParaRPr b="0" lang="pt-BR" sz="1400" spc="-1" strike="noStrike">
               <a:latin typeface="Noto Sans Regular"/>
@@ -3747,7 +3744,7 @@
           </a:bodyPr>
           <a:p>
             <a:pPr algn="r"/>
-            <a:fld id="{9FAF24FF-826D-4AD0-AFC1-F0C8B9613E56}" type="slidenum">
+            <a:fld id="{7D943B6B-B2E9-48CE-B91F-5F25F6A37C11}" type="slidenum">
               <a:rPr b="0" lang="pt-BR" sz="1400" spc="-1" strike="noStrike">
                 <a:latin typeface="Noto Sans"/>
               </a:rPr>
@@ -3759,11 +3756,11 @@
               </a:rPr>
               <a:t> / </a:t>
             </a:r>
-            <a:fld id="{1CD52835-3C9D-4CA2-BEAB-84ACC1894017}" type="slidecount">
+            <a:fld id="{A99092C9-AA3E-4AC0-B394-9AB67FE19FA3}" type="slidecount">
               <a:rPr b="0" lang="pt-BR" sz="1400" spc="-1" strike="noStrike">
                 <a:latin typeface="Noto Sans"/>
               </a:rPr>
-              <a:t>11</a:t>
+              <a:t>8</a:t>
             </a:fld>
             <a:endParaRPr b="0" lang="pt-BR" sz="1400" spc="-1" strike="noStrike">
               <a:latin typeface="Noto Sans Regular"/>
@@ -3952,438 +3949,6 @@
 </p:sld>
 </file>
 
-<file path=ppt/slides/slide10.xml><?xml version="1.0" encoding="utf-8"?>
-<p:sld xmlns:a="http://schemas.openxmlformats.org/drawingml/2006/main" xmlns:p="http://schemas.openxmlformats.org/presentationml/2006/main" xmlns:r="http://schemas.openxmlformats.org/officeDocument/2006/relationships" xmlns:p14="http://schemas.microsoft.com/office/powerpoint/2010/main" xmlns:p15="http://schemas.microsoft.com/office/powerpoint/2012/main" xmlns:mc="http://schemas.openxmlformats.org/markup-compatibility/2006">
-  <p:cSld>
-    <p:spTree>
-      <p:nvGrpSpPr>
-        <p:cNvPr id="1" name=""/>
-        <p:cNvGrpSpPr/>
-        <p:nvPr/>
-      </p:nvGrpSpPr>
-      <p:grpSpPr>
-        <a:xfrm>
-          <a:off x="0" y="0"/>
-          <a:ext cx="0" cy="0"/>
-          <a:chOff x="0" y="0"/>
-          <a:chExt cx="0" cy="0"/>
-        </a:xfrm>
-      </p:grpSpPr>
-      <p:sp>
-        <p:nvSpPr>
-          <p:cNvPr id="105" name="TextShape 1"/>
-          <p:cNvSpPr txBox="1"/>
-          <p:nvPr/>
-        </p:nvSpPr>
-        <p:spPr>
-          <a:xfrm>
-            <a:off x="720000" y="180000"/>
-            <a:ext cx="9000000" cy="1080000"/>
-          </a:xfrm>
-          <a:prstGeom prst="rect">
-            <a:avLst/>
-          </a:prstGeom>
-          <a:noFill/>
-          <a:ln>
-            <a:noFill/>
-          </a:ln>
-        </p:spPr>
-        <p:txBody>
-          <a:bodyPr lIns="0" rIns="0" tIns="0" bIns="0" anchor="ctr">
-            <a:noAutofit/>
-          </a:bodyPr>
-          <a:p>
-            <a:r>
-              <a:rPr b="1" lang="pt-BR" sz="3300" spc="-1" strike="noStrike">
-                <a:solidFill>
-                  <a:srgbClr val="333333"/>
-                </a:solidFill>
-                <a:latin typeface="Noto Sans Regular"/>
-              </a:rPr>
-              <a:t>Por que refatorar?</a:t>
-            </a:r>
-            <a:endParaRPr b="1" lang="pt-BR" sz="3300" spc="-1" strike="noStrike">
-              <a:solidFill>
-                <a:srgbClr val="333333"/>
-              </a:solidFill>
-              <a:latin typeface="Noto Sans Regular"/>
-            </a:endParaRPr>
-          </a:p>
-        </p:txBody>
-      </p:sp>
-      <p:sp>
-        <p:nvSpPr>
-          <p:cNvPr id="106" name="TextShape 2"/>
-          <p:cNvSpPr txBox="1"/>
-          <p:nvPr/>
-        </p:nvSpPr>
-        <p:spPr>
-          <a:xfrm>
-            <a:off x="720000" y="1440000"/>
-            <a:ext cx="9000000" cy="3420000"/>
-          </a:xfrm>
-          <a:prstGeom prst="rect">
-            <a:avLst/>
-          </a:prstGeom>
-          <a:noFill/>
-          <a:ln>
-            <a:noFill/>
-          </a:ln>
-        </p:spPr>
-        <p:txBody>
-          <a:bodyPr lIns="0" rIns="0" tIns="0" bIns="0">
-            <a:noAutofit/>
-          </a:bodyPr>
-          <a:p>
-            <a:pPr marL="432000" indent="-324000">
-              <a:spcAft>
-                <a:spcPts val="1060"/>
-              </a:spcAft>
-              <a:buClr>
-                <a:srgbClr val="ef2929"/>
-              </a:buClr>
-              <a:buSzPct val="45000"/>
-              <a:buFont typeface="Wingdings" charset="2"/>
-              <a:buChar char=""/>
-            </a:pPr>
-            <a:r>
-              <a:rPr b="0" lang="pt-BR" sz="2100" spc="-1" strike="noStrike">
-                <a:solidFill>
-                  <a:srgbClr val="333333"/>
-                </a:solidFill>
-                <a:latin typeface="Noto Sans Regular"/>
-              </a:rPr>
-              <a:t>Para obter um software de qualidade!</a:t>
-            </a:r>
-            <a:endParaRPr b="0" lang="pt-BR" sz="2100" spc="-1" strike="noStrike">
-              <a:solidFill>
-                <a:srgbClr val="333333"/>
-              </a:solidFill>
-              <a:latin typeface="Noto Sans Regular"/>
-            </a:endParaRPr>
-          </a:p>
-          <a:p>
-            <a:pPr marL="432000" indent="-324000">
-              <a:spcAft>
-                <a:spcPts val="1060"/>
-              </a:spcAft>
-              <a:buClr>
-                <a:srgbClr val="ef2929"/>
-              </a:buClr>
-              <a:buSzPct val="45000"/>
-              <a:buFont typeface="Wingdings" charset="2"/>
-              <a:buChar char=""/>
-            </a:pPr>
-            <a:r>
-              <a:rPr b="0" lang="pt-BR" sz="2100" spc="-1" strike="noStrike">
-                <a:solidFill>
-                  <a:srgbClr val="333333"/>
-                </a:solidFill>
-                <a:latin typeface="Noto Sans Regular"/>
-              </a:rPr>
-              <a:t>Código limpo e claro:</a:t>
-            </a:r>
-            <a:endParaRPr b="0" lang="pt-BR" sz="2100" spc="-1" strike="noStrike">
-              <a:solidFill>
-                <a:srgbClr val="333333"/>
-              </a:solidFill>
-              <a:latin typeface="Noto Sans Regular"/>
-            </a:endParaRPr>
-          </a:p>
-          <a:p>
-            <a:pPr marL="432000" indent="-324000">
-              <a:spcAft>
-                <a:spcPts val="1060"/>
-              </a:spcAft>
-              <a:buClr>
-                <a:srgbClr val="ef2929"/>
-              </a:buClr>
-              <a:buSzPct val="45000"/>
-              <a:buFont typeface="Wingdings" charset="2"/>
-              <a:buChar char=""/>
-            </a:pPr>
-            <a:r>
-              <a:rPr b="0" lang="pt-BR" sz="2100" spc="-1" strike="noStrike">
-                <a:solidFill>
-                  <a:srgbClr val="333333"/>
-                </a:solidFill>
-                <a:latin typeface="Noto Sans Regular"/>
-              </a:rPr>
-              <a:t>Fácil de ler (expressar intenção)</a:t>
-            </a:r>
-            <a:endParaRPr b="0" lang="pt-BR" sz="2100" spc="-1" strike="noStrike">
-              <a:solidFill>
-                <a:srgbClr val="333333"/>
-              </a:solidFill>
-              <a:latin typeface="Noto Sans Regular"/>
-            </a:endParaRPr>
-          </a:p>
-          <a:p>
-            <a:pPr marL="432000" indent="-324000">
-              <a:spcAft>
-                <a:spcPts val="1060"/>
-              </a:spcAft>
-              <a:buClr>
-                <a:srgbClr val="ef2929"/>
-              </a:buClr>
-              <a:buSzPct val="45000"/>
-              <a:buFont typeface="Wingdings" charset="2"/>
-              <a:buChar char=""/>
-            </a:pPr>
-            <a:r>
-              <a:rPr b="0" lang="pt-BR" sz="2100" spc="-1" strike="noStrike">
-                <a:solidFill>
-                  <a:srgbClr val="333333"/>
-                </a:solidFill>
-                <a:latin typeface="Noto Sans Regular"/>
-              </a:rPr>
-              <a:t>Fácil de compreender</a:t>
-            </a:r>
-            <a:endParaRPr b="0" lang="pt-BR" sz="2100" spc="-1" strike="noStrike">
-              <a:solidFill>
-                <a:srgbClr val="333333"/>
-              </a:solidFill>
-              <a:latin typeface="Noto Sans Regular"/>
-            </a:endParaRPr>
-          </a:p>
-          <a:p>
-            <a:pPr marL="432000" indent="-324000">
-              <a:spcAft>
-                <a:spcPts val="1060"/>
-              </a:spcAft>
-              <a:buClr>
-                <a:srgbClr val="ef2929"/>
-              </a:buClr>
-              <a:buSzPct val="45000"/>
-              <a:buFont typeface="Wingdings" charset="2"/>
-              <a:buChar char=""/>
-            </a:pPr>
-            <a:r>
-              <a:rPr b="0" lang="pt-BR" sz="2100" spc="-1" strike="noStrike">
-                <a:solidFill>
-                  <a:srgbClr val="333333"/>
-                </a:solidFill>
-                <a:latin typeface="Noto Sans Regular"/>
-              </a:rPr>
-              <a:t>Fácil de promover mudanças</a:t>
-            </a:r>
-            <a:endParaRPr b="0" lang="pt-BR" sz="2100" spc="-1" strike="noStrike">
-              <a:solidFill>
-                <a:srgbClr val="333333"/>
-              </a:solidFill>
-              <a:latin typeface="Noto Sans Regular"/>
-            </a:endParaRPr>
-          </a:p>
-        </p:txBody>
-      </p:sp>
-    </p:spTree>
-  </p:cSld>
-  <mc:AlternateContent>
-    <mc:Choice Requires="p14">
-      <p:transition spd="slow" p14:dur="2000"/>
-    </mc:Choice>
-    <mc:Fallback>
-      <p:transition spd="slow"/>
-    </mc:Fallback>
-  </mc:AlternateContent>
-</p:sld>
-</file>
-
-<file path=ppt/slides/slide11.xml><?xml version="1.0" encoding="utf-8"?>
-<p:sld xmlns:a="http://schemas.openxmlformats.org/drawingml/2006/main" xmlns:p="http://schemas.openxmlformats.org/presentationml/2006/main" xmlns:r="http://schemas.openxmlformats.org/officeDocument/2006/relationships" xmlns:p14="http://schemas.microsoft.com/office/powerpoint/2010/main" xmlns:p15="http://schemas.microsoft.com/office/powerpoint/2012/main" xmlns:mc="http://schemas.openxmlformats.org/markup-compatibility/2006">
-  <p:cSld>
-    <p:spTree>
-      <p:nvGrpSpPr>
-        <p:cNvPr id="1" name=""/>
-        <p:cNvGrpSpPr/>
-        <p:nvPr/>
-      </p:nvGrpSpPr>
-      <p:grpSpPr>
-        <a:xfrm>
-          <a:off x="0" y="0"/>
-          <a:ext cx="0" cy="0"/>
-          <a:chOff x="0" y="0"/>
-          <a:chExt cx="0" cy="0"/>
-        </a:xfrm>
-      </p:grpSpPr>
-      <p:pic>
-        <p:nvPicPr>
-          <p:cNvPr id="107" name="" descr=""/>
-          <p:cNvPicPr/>
-          <p:nvPr/>
-        </p:nvPicPr>
-        <p:blipFill>
-          <a:blip r:embed="rId1"/>
-          <a:stretch/>
-        </p:blipFill>
-        <p:spPr>
-          <a:xfrm>
-            <a:off x="1108800" y="1381320"/>
-            <a:ext cx="3603600" cy="3603600"/>
-          </a:xfrm>
-          <a:prstGeom prst="rect">
-            <a:avLst/>
-          </a:prstGeom>
-          <a:ln w="10800">
-            <a:noFill/>
-          </a:ln>
-        </p:spPr>
-      </p:pic>
-      <p:sp>
-        <p:nvSpPr>
-          <p:cNvPr id="108" name="TextShape 1"/>
-          <p:cNvSpPr txBox="1"/>
-          <p:nvPr/>
-        </p:nvSpPr>
-        <p:spPr>
-          <a:xfrm>
-            <a:off x="720000" y="180000"/>
-            <a:ext cx="9000000" cy="1080000"/>
-          </a:xfrm>
-          <a:prstGeom prst="rect">
-            <a:avLst/>
-          </a:prstGeom>
-          <a:noFill/>
-          <a:ln>
-            <a:noFill/>
-          </a:ln>
-        </p:spPr>
-        <p:txBody>
-          <a:bodyPr lIns="0" rIns="0" tIns="0" bIns="0" anchor="ctr">
-            <a:noAutofit/>
-          </a:bodyPr>
-          <a:p>
-            <a:r>
-              <a:rPr b="1" lang="pt-BR" sz="3300" spc="-1" strike="noStrike">
-                <a:solidFill>
-                  <a:srgbClr val="333333"/>
-                </a:solidFill>
-                <a:latin typeface="Noto Sans Regular"/>
-              </a:rPr>
-              <a:t>Code Refactoring (Martin Fowler)</a:t>
-            </a:r>
-            <a:endParaRPr b="1" lang="pt-BR" sz="3300" spc="-1" strike="noStrike">
-              <a:solidFill>
-                <a:srgbClr val="333333"/>
-              </a:solidFill>
-              <a:latin typeface="Noto Sans Regular"/>
-            </a:endParaRPr>
-          </a:p>
-        </p:txBody>
-      </p:sp>
-      <p:sp>
-        <p:nvSpPr>
-          <p:cNvPr id="109" name="TextShape 2"/>
-          <p:cNvSpPr txBox="1"/>
-          <p:nvPr/>
-        </p:nvSpPr>
-        <p:spPr>
-          <a:xfrm>
-            <a:off x="5040000" y="1440000"/>
-            <a:ext cx="4680000" cy="3420000"/>
-          </a:xfrm>
-          <a:prstGeom prst="rect">
-            <a:avLst/>
-          </a:prstGeom>
-          <a:noFill/>
-          <a:ln>
-            <a:noFill/>
-          </a:ln>
-        </p:spPr>
-        <p:txBody>
-          <a:bodyPr lIns="0" rIns="0" tIns="0" bIns="0">
-            <a:noAutofit/>
-          </a:bodyPr>
-          <a:p>
-            <a:pPr marL="432000" indent="-324000" algn="ctr">
-              <a:spcAft>
-                <a:spcPts val="1060"/>
-              </a:spcAft>
-              <a:buClr>
-                <a:srgbClr val="ef2929"/>
-              </a:buClr>
-              <a:buSzPct val="45000"/>
-              <a:buFont typeface="Wingdings" charset="2"/>
-              <a:buChar char=""/>
-            </a:pPr>
-            <a:endParaRPr b="0" lang="pt-BR" sz="2100" spc="-1" strike="noStrike">
-              <a:solidFill>
-                <a:srgbClr val="333333"/>
-              </a:solidFill>
-              <a:latin typeface="Noto Sans Regular"/>
-            </a:endParaRPr>
-          </a:p>
-          <a:p>
-            <a:pPr marL="432000" indent="-324000" algn="ctr">
-              <a:spcAft>
-                <a:spcPts val="1060"/>
-              </a:spcAft>
-              <a:buClr>
-                <a:srgbClr val="ef2929"/>
-              </a:buClr>
-              <a:buSzPct val="45000"/>
-              <a:buFont typeface="Wingdings" charset="2"/>
-              <a:buChar char=""/>
-            </a:pPr>
-            <a:endParaRPr b="0" lang="pt-BR" sz="2100" spc="-1" strike="noStrike">
-              <a:solidFill>
-                <a:srgbClr val="333333"/>
-              </a:solidFill>
-              <a:latin typeface="Noto Sans Regular"/>
-            </a:endParaRPr>
-          </a:p>
-          <a:p>
-            <a:pPr marL="432000" indent="-324000">
-              <a:spcAft>
-                <a:spcPts val="1060"/>
-              </a:spcAft>
-              <a:buClr>
-                <a:srgbClr val="ef2929"/>
-              </a:buClr>
-              <a:buSzPct val="45000"/>
-              <a:buFont typeface="Wingdings" charset="2"/>
-              <a:buChar char=""/>
-            </a:pPr>
-            <a:r>
-              <a:rPr b="0" lang="pt-BR" sz="2100" spc="-1" strike="noStrike">
-                <a:solidFill>
-                  <a:srgbClr val="333333"/>
-                </a:solidFill>
-                <a:latin typeface="Noto Sans Regular"/>
-              </a:rPr>
-              <a:t>“</a:t>
-            </a:r>
-            <a:r>
-              <a:rPr b="0" lang="pt-BR" sz="2100" spc="-1" strike="noStrike">
-                <a:solidFill>
-                  <a:srgbClr val="333333"/>
-                </a:solidFill>
-                <a:latin typeface="Noto Sans Regular"/>
-              </a:rPr>
-              <a:t>Uma série de passos pequenos, cada um dos quais muda a estrutura interna do programa sem alterar o seu comportamento externo.”</a:t>
-            </a:r>
-            <a:endParaRPr b="0" lang="pt-BR" sz="2100" spc="-1" strike="noStrike">
-              <a:solidFill>
-                <a:srgbClr val="333333"/>
-              </a:solidFill>
-              <a:latin typeface="Noto Sans Regular"/>
-            </a:endParaRPr>
-          </a:p>
-        </p:txBody>
-      </p:sp>
-    </p:spTree>
-  </p:cSld>
-  <mc:AlternateContent>
-    <mc:Choice Requires="p14">
-      <p:transition spd="slow" p14:dur="2000"/>
-    </mc:Choice>
-    <mc:Fallback>
-      <p:transition spd="slow"/>
-    </mc:Fallback>
-  </mc:AlternateContent>
-</p:sld>
-</file>
-
 <file path=ppt/slides/slide2.xml><?xml version="1.0" encoding="utf-8"?>
 <p:sld xmlns:a="http://schemas.openxmlformats.org/drawingml/2006/main" xmlns:p="http://schemas.openxmlformats.org/presentationml/2006/main" xmlns:r="http://schemas.openxmlformats.org/officeDocument/2006/relationships" xmlns:p14="http://schemas.microsoft.com/office/powerpoint/2010/main" xmlns:p15="http://schemas.microsoft.com/office/powerpoint/2012/main" xmlns:mc="http://schemas.openxmlformats.org/markup-compatibility/2006">
   <p:cSld>
@@ -5709,215 +5274,6 @@
                 <a:latin typeface="Noto Sans Regular"/>
               </a:rPr>
               <a:t>TDD é divertido e recompensador!</a:t>
-            </a:r>
-            <a:endParaRPr b="0" lang="pt-BR" sz="2100" spc="-1" strike="noStrike">
-              <a:solidFill>
-                <a:srgbClr val="333333"/>
-              </a:solidFill>
-              <a:latin typeface="Noto Sans Regular"/>
-            </a:endParaRPr>
-          </a:p>
-        </p:txBody>
-      </p:sp>
-    </p:spTree>
-  </p:cSld>
-  <mc:AlternateContent>
-    <mc:Choice Requires="p14">
-      <p:transition spd="slow" p14:dur="2000"/>
-    </mc:Choice>
-    <mc:Fallback>
-      <p:transition spd="slow"/>
-    </mc:Fallback>
-  </mc:AlternateContent>
-</p:sld>
-</file>
-
-<file path=ppt/slides/slide9.xml><?xml version="1.0" encoding="utf-8"?>
-<p:sld xmlns:a="http://schemas.openxmlformats.org/drawingml/2006/main" xmlns:p="http://schemas.openxmlformats.org/presentationml/2006/main" xmlns:r="http://schemas.openxmlformats.org/officeDocument/2006/relationships" xmlns:p14="http://schemas.microsoft.com/office/powerpoint/2010/main" xmlns:p15="http://schemas.microsoft.com/office/powerpoint/2012/main" xmlns:mc="http://schemas.openxmlformats.org/markup-compatibility/2006">
-  <p:cSld>
-    <p:spTree>
-      <p:nvGrpSpPr>
-        <p:cNvPr id="1" name=""/>
-        <p:cNvGrpSpPr/>
-        <p:nvPr/>
-      </p:nvGrpSpPr>
-      <p:grpSpPr>
-        <a:xfrm>
-          <a:off x="0" y="0"/>
-          <a:ext cx="0" cy="0"/>
-          <a:chOff x="0" y="0"/>
-          <a:chExt cx="0" cy="0"/>
-        </a:xfrm>
-      </p:grpSpPr>
-      <p:sp>
-        <p:nvSpPr>
-          <p:cNvPr id="103" name="TextShape 1"/>
-          <p:cNvSpPr txBox="1"/>
-          <p:nvPr/>
-        </p:nvSpPr>
-        <p:spPr>
-          <a:xfrm>
-            <a:off x="720000" y="180000"/>
-            <a:ext cx="9000000" cy="1080000"/>
-          </a:xfrm>
-          <a:prstGeom prst="rect">
-            <a:avLst/>
-          </a:prstGeom>
-          <a:noFill/>
-          <a:ln>
-            <a:noFill/>
-          </a:ln>
-        </p:spPr>
-        <p:txBody>
-          <a:bodyPr lIns="0" rIns="0" tIns="0" bIns="0" anchor="ctr">
-            <a:noAutofit/>
-          </a:bodyPr>
-          <a:p>
-            <a:r>
-              <a:rPr b="1" lang="pt-BR" sz="3300" spc="-1" strike="noStrike">
-                <a:solidFill>
-                  <a:srgbClr val="333333"/>
-                </a:solidFill>
-                <a:latin typeface="Noto Sans Regular"/>
-              </a:rPr>
-              <a:t>O que é Refatoração?</a:t>
-            </a:r>
-            <a:endParaRPr b="1" lang="pt-BR" sz="3300" spc="-1" strike="noStrike">
-              <a:solidFill>
-                <a:srgbClr val="333333"/>
-              </a:solidFill>
-              <a:latin typeface="Noto Sans Regular"/>
-            </a:endParaRPr>
-          </a:p>
-        </p:txBody>
-      </p:sp>
-      <p:sp>
-        <p:nvSpPr>
-          <p:cNvPr id="104" name="TextShape 2"/>
-          <p:cNvSpPr txBox="1"/>
-          <p:nvPr/>
-        </p:nvSpPr>
-        <p:spPr>
-          <a:xfrm>
-            <a:off x="720000" y="1440000"/>
-            <a:ext cx="9000000" cy="3420000"/>
-          </a:xfrm>
-          <a:prstGeom prst="rect">
-            <a:avLst/>
-          </a:prstGeom>
-          <a:noFill/>
-          <a:ln>
-            <a:noFill/>
-          </a:ln>
-        </p:spPr>
-        <p:txBody>
-          <a:bodyPr lIns="0" rIns="0" tIns="0" bIns="0">
-            <a:noAutofit/>
-          </a:bodyPr>
-          <a:p>
-            <a:pPr marL="432000" indent="-324000">
-              <a:spcAft>
-                <a:spcPts val="1060"/>
-              </a:spcAft>
-              <a:buClr>
-                <a:srgbClr val="ef2929"/>
-              </a:buClr>
-              <a:buSzPct val="45000"/>
-              <a:buFont typeface="Wingdings" charset="2"/>
-              <a:buChar char=""/>
-            </a:pPr>
-            <a:r>
-              <a:rPr b="0" lang="pt-BR" sz="2100" spc="-1" strike="noStrike">
-                <a:solidFill>
-                  <a:srgbClr val="333333"/>
-                </a:solidFill>
-                <a:latin typeface="Noto Sans Regular"/>
-              </a:rPr>
-              <a:t>Alteração feita no código de um software para torná-lo: </a:t>
-            </a:r>
-            <a:endParaRPr b="0" lang="pt-BR" sz="2100" spc="-1" strike="noStrike">
-              <a:solidFill>
-                <a:srgbClr val="333333"/>
-              </a:solidFill>
-              <a:latin typeface="Noto Sans Regular"/>
-            </a:endParaRPr>
-          </a:p>
-          <a:p>
-            <a:pPr marL="432000" indent="-324000">
-              <a:spcAft>
-                <a:spcPts val="1060"/>
-              </a:spcAft>
-              <a:buClr>
-                <a:srgbClr val="ef2929"/>
-              </a:buClr>
-              <a:buSzPct val="45000"/>
-              <a:buFont typeface="Wingdings" charset="2"/>
-              <a:buChar char=""/>
-            </a:pPr>
-            <a:r>
-              <a:rPr b="0" lang="pt-BR" sz="2100" spc="-1" strike="noStrike">
-                <a:solidFill>
-                  <a:srgbClr val="333333"/>
-                </a:solidFill>
-                <a:latin typeface="Noto Sans Regular"/>
-              </a:rPr>
-              <a:t>Mais fácil de compreender; </a:t>
-            </a:r>
-            <a:endParaRPr b="0" lang="pt-BR" sz="2100" spc="-1" strike="noStrike">
-              <a:solidFill>
-                <a:srgbClr val="333333"/>
-              </a:solidFill>
-              <a:latin typeface="Noto Sans Regular"/>
-            </a:endParaRPr>
-          </a:p>
-          <a:p>
-            <a:pPr marL="432000" indent="-324000">
-              <a:spcAft>
-                <a:spcPts val="1060"/>
-              </a:spcAft>
-              <a:buClr>
-                <a:srgbClr val="ef2929"/>
-              </a:buClr>
-              <a:buSzPct val="45000"/>
-              <a:buFont typeface="Wingdings" charset="2"/>
-              <a:buChar char=""/>
-            </a:pPr>
-            <a:r>
-              <a:rPr b="0" lang="pt-BR" sz="2100" spc="-1" strike="noStrike">
-                <a:solidFill>
-                  <a:srgbClr val="333333"/>
-                </a:solidFill>
-                <a:latin typeface="Noto Sans Regular"/>
-              </a:rPr>
-              <a:t>Mais fácil de modificar;</a:t>
-            </a:r>
-            <a:endParaRPr b="0" lang="pt-BR" sz="2100" spc="-1" strike="noStrike">
-              <a:solidFill>
-                <a:srgbClr val="333333"/>
-              </a:solidFill>
-              <a:latin typeface="Noto Sans Regular"/>
-            </a:endParaRPr>
-          </a:p>
-          <a:p>
-            <a:pPr marL="432000" indent="-324000">
-              <a:spcAft>
-                <a:spcPts val="1060"/>
-              </a:spcAft>
-              <a:buClr>
-                <a:srgbClr val="ef2929"/>
-              </a:buClr>
-              <a:buSzPct val="45000"/>
-              <a:buFont typeface="Wingdings" charset="2"/>
-              <a:buChar char=""/>
-            </a:pPr>
-            <a:r>
-              <a:rPr b="0" lang="pt-BR" sz="2100" spc="-1" strike="noStrike">
-                <a:solidFill>
-                  <a:srgbClr val="333333"/>
-                </a:solidFill>
-                <a:latin typeface="Noto Sans Regular"/>
-              </a:rPr>
-              <a:t>Sem alterar o seu comportamento observável;</a:t>
             </a:r>
             <a:endParaRPr b="0" lang="pt-BR" sz="2100" spc="-1" strike="noStrike">
               <a:solidFill>
